--- a/Individueleopdrachten/Wireflow.pptx
+++ b/Individueleopdrachten/Wireflow.pptx
@@ -204,7 +204,7 @@
           <a:p>
             <a:fld id="{2FA15CB2-CDEF-47C2-8771-1E61466C924E}" type="datetimeFigureOut">
               <a:rPr lang="nl-NL" smtClean="0"/>
-              <a:t>16-2-2017</a:t>
+              <a:t>21-2-2017</a:t>
             </a:fld>
             <a:endParaRPr lang="nl-NL"/>
           </a:p>
@@ -299,7 +299,6 @@
               <a:rPr lang="nl-NL"/>
               <a:t>Vijfde niveau</a:t>
             </a:r>
-            <a:endParaRPr lang="nl-NL"/>
           </a:p>
         </p:txBody>
       </p:sp>
@@ -601,7 +600,7 @@
           <a:p>
             <a:fld id="{C4E6995A-2A8E-435C-AE8E-48694EDAAF2C}" type="datetimeFigureOut">
               <a:rPr lang="nl-NL" smtClean="0"/>
-              <a:t>16-2-2017</a:t>
+              <a:t>21-2-2017</a:t>
             </a:fld>
             <a:endParaRPr lang="nl-NL"/>
           </a:p>
@@ -769,7 +768,7 @@
           <a:p>
             <a:fld id="{C4E6995A-2A8E-435C-AE8E-48694EDAAF2C}" type="datetimeFigureOut">
               <a:rPr lang="nl-NL" smtClean="0"/>
-              <a:t>16-2-2017</a:t>
+              <a:t>21-2-2017</a:t>
             </a:fld>
             <a:endParaRPr lang="nl-NL"/>
           </a:p>
@@ -947,7 +946,7 @@
           <a:p>
             <a:fld id="{C4E6995A-2A8E-435C-AE8E-48694EDAAF2C}" type="datetimeFigureOut">
               <a:rPr lang="nl-NL" smtClean="0"/>
-              <a:t>16-2-2017</a:t>
+              <a:t>21-2-2017</a:t>
             </a:fld>
             <a:endParaRPr lang="nl-NL"/>
           </a:p>
@@ -1115,7 +1114,7 @@
           <a:p>
             <a:fld id="{C4E6995A-2A8E-435C-AE8E-48694EDAAF2C}" type="datetimeFigureOut">
               <a:rPr lang="nl-NL" smtClean="0"/>
-              <a:t>16-2-2017</a:t>
+              <a:t>21-2-2017</a:t>
             </a:fld>
             <a:endParaRPr lang="nl-NL"/>
           </a:p>
@@ -1360,7 +1359,7 @@
           <a:p>
             <a:fld id="{C4E6995A-2A8E-435C-AE8E-48694EDAAF2C}" type="datetimeFigureOut">
               <a:rPr lang="nl-NL" smtClean="0"/>
-              <a:t>16-2-2017</a:t>
+              <a:t>21-2-2017</a:t>
             </a:fld>
             <a:endParaRPr lang="nl-NL"/>
           </a:p>
@@ -1589,7 +1588,7 @@
           <a:p>
             <a:fld id="{C4E6995A-2A8E-435C-AE8E-48694EDAAF2C}" type="datetimeFigureOut">
               <a:rPr lang="nl-NL" smtClean="0"/>
-              <a:t>16-2-2017</a:t>
+              <a:t>21-2-2017</a:t>
             </a:fld>
             <a:endParaRPr lang="nl-NL"/>
           </a:p>
@@ -1953,7 +1952,7 @@
           <a:p>
             <a:fld id="{C4E6995A-2A8E-435C-AE8E-48694EDAAF2C}" type="datetimeFigureOut">
               <a:rPr lang="nl-NL" smtClean="0"/>
-              <a:t>16-2-2017</a:t>
+              <a:t>21-2-2017</a:t>
             </a:fld>
             <a:endParaRPr lang="nl-NL"/>
           </a:p>
@@ -2070,7 +2069,7 @@
           <a:p>
             <a:fld id="{C4E6995A-2A8E-435C-AE8E-48694EDAAF2C}" type="datetimeFigureOut">
               <a:rPr lang="nl-NL" smtClean="0"/>
-              <a:t>16-2-2017</a:t>
+              <a:t>21-2-2017</a:t>
             </a:fld>
             <a:endParaRPr lang="nl-NL"/>
           </a:p>
@@ -2165,7 +2164,7 @@
           <a:p>
             <a:fld id="{C4E6995A-2A8E-435C-AE8E-48694EDAAF2C}" type="datetimeFigureOut">
               <a:rPr lang="nl-NL" smtClean="0"/>
-              <a:t>16-2-2017</a:t>
+              <a:t>21-2-2017</a:t>
             </a:fld>
             <a:endParaRPr lang="nl-NL"/>
           </a:p>
@@ -2440,7 +2439,7 @@
           <a:p>
             <a:fld id="{C4E6995A-2A8E-435C-AE8E-48694EDAAF2C}" type="datetimeFigureOut">
               <a:rPr lang="nl-NL" smtClean="0"/>
-              <a:t>16-2-2017</a:t>
+              <a:t>21-2-2017</a:t>
             </a:fld>
             <a:endParaRPr lang="nl-NL"/>
           </a:p>
@@ -2692,7 +2691,7 @@
           <a:p>
             <a:fld id="{C4E6995A-2A8E-435C-AE8E-48694EDAAF2C}" type="datetimeFigureOut">
               <a:rPr lang="nl-NL" smtClean="0"/>
-              <a:t>16-2-2017</a:t>
+              <a:t>21-2-2017</a:t>
             </a:fld>
             <a:endParaRPr lang="nl-NL"/>
           </a:p>
@@ -2903,7 +2902,7 @@
           <a:p>
             <a:fld id="{C4E6995A-2A8E-435C-AE8E-48694EDAAF2C}" type="datetimeFigureOut">
               <a:rPr lang="nl-NL" smtClean="0"/>
-              <a:t>16-2-2017</a:t>
+              <a:t>21-2-2017</a:t>
             </a:fld>
             <a:endParaRPr lang="nl-NL"/>
           </a:p>
